--- a/pic/抠图.pptx
+++ b/pic/抠图.pptx
@@ -3650,6 +3650,266 @@
           </a:prstGeom>
         </p:spPr>
       </p:pic>
+      <p:sp>
+        <p:nvSpPr>
+          <p:cNvPr id="6" name="矩形 5">
+            <a:extLst>
+              <a:ext uri="{FF2B5EF4-FFF2-40B4-BE49-F238E27FC236}">
+                <a16:creationId xmlns:a16="http://schemas.microsoft.com/office/drawing/2014/main" id="{A7C88990-989E-6FE6-C858-60D889C476B7}"/>
+              </a:ext>
+            </a:extLst>
+          </p:cNvPr>
+          <p:cNvSpPr/>
+          <p:nvPr/>
+        </p:nvSpPr>
+        <p:spPr>
+          <a:xfrm>
+            <a:off x="5881541" y="1159097"/>
+            <a:ext cx="3939294" cy="3945229"/>
+          </a:xfrm>
+          <a:prstGeom prst="rect">
+            <a:avLst/>
+          </a:prstGeom>
+          <a:solidFill>
+            <a:srgbClr val="FF6501"/>
+          </a:solidFill>
+          <a:ln>
+            <a:noFill/>
+          </a:ln>
+        </p:spPr>
+        <p:style>
+          <a:lnRef idx="2">
+            <a:schemeClr val="accent1">
+              <a:shade val="15000"/>
+            </a:schemeClr>
+          </a:lnRef>
+          <a:fillRef idx="1">
+            <a:schemeClr val="accent1"/>
+          </a:fillRef>
+          <a:effectRef idx="0">
+            <a:schemeClr val="accent1"/>
+          </a:effectRef>
+          <a:fontRef idx="minor">
+            <a:schemeClr val="lt1"/>
+          </a:fontRef>
+        </p:style>
+        <p:txBody>
+          <a:bodyPr rtlCol="0" anchor="ctr"/>
+          <a:lstStyle/>
+          <a:p>
+            <a:pPr algn="ctr"/>
+            <a:endParaRPr lang="zh-CN" altLang="en-US"/>
+          </a:p>
+        </p:txBody>
+      </p:sp>
+      <p:sp>
+        <p:nvSpPr>
+          <p:cNvPr id="7" name="椭圆 6">
+            <a:extLst>
+              <a:ext uri="{FF2B5EF4-FFF2-40B4-BE49-F238E27FC236}">
+                <a16:creationId xmlns:a16="http://schemas.microsoft.com/office/drawing/2014/main" id="{F0F82E78-AAE2-0C48-63A7-62D0A73CD662}"/>
+              </a:ext>
+            </a:extLst>
+          </p:cNvPr>
+          <p:cNvSpPr/>
+          <p:nvPr/>
+        </p:nvSpPr>
+        <p:spPr>
+          <a:xfrm>
+            <a:off x="6965576" y="2563905"/>
+            <a:ext cx="735106" cy="833718"/>
+          </a:xfrm>
+          <a:prstGeom prst="ellipse">
+            <a:avLst/>
+          </a:prstGeom>
+          <a:solidFill>
+            <a:srgbClr val="FFFFFF"/>
+          </a:solidFill>
+          <a:ln>
+            <a:noFill/>
+          </a:ln>
+        </p:spPr>
+        <p:style>
+          <a:lnRef idx="2">
+            <a:schemeClr val="accent1">
+              <a:shade val="15000"/>
+            </a:schemeClr>
+          </a:lnRef>
+          <a:fillRef idx="1">
+            <a:schemeClr val="accent1"/>
+          </a:fillRef>
+          <a:effectRef idx="0">
+            <a:schemeClr val="accent1"/>
+          </a:effectRef>
+          <a:fontRef idx="minor">
+            <a:schemeClr val="lt1"/>
+          </a:fontRef>
+        </p:style>
+        <p:txBody>
+          <a:bodyPr rtlCol="0" anchor="ctr"/>
+          <a:lstStyle/>
+          <a:p>
+            <a:pPr algn="ctr"/>
+            <a:endParaRPr lang="zh-CN" altLang="en-US"/>
+          </a:p>
+        </p:txBody>
+      </p:sp>
+      <p:sp>
+        <p:nvSpPr>
+          <p:cNvPr id="8" name="椭圆 7">
+            <a:extLst>
+              <a:ext uri="{FF2B5EF4-FFF2-40B4-BE49-F238E27FC236}">
+                <a16:creationId xmlns:a16="http://schemas.microsoft.com/office/drawing/2014/main" id="{1E933323-2466-0C65-C13B-EF99F8F3F375}"/>
+              </a:ext>
+            </a:extLst>
+          </p:cNvPr>
+          <p:cNvSpPr/>
+          <p:nvPr/>
+        </p:nvSpPr>
+        <p:spPr>
+          <a:xfrm>
+            <a:off x="7077636" y="2814918"/>
+            <a:ext cx="407894" cy="457200"/>
+          </a:xfrm>
+          <a:prstGeom prst="ellipse">
+            <a:avLst/>
+          </a:prstGeom>
+          <a:solidFill>
+            <a:srgbClr val="3AFE21"/>
+          </a:solidFill>
+          <a:ln>
+            <a:noFill/>
+          </a:ln>
+        </p:spPr>
+        <p:style>
+          <a:lnRef idx="2">
+            <a:schemeClr val="accent1">
+              <a:shade val="15000"/>
+            </a:schemeClr>
+          </a:lnRef>
+          <a:fillRef idx="1">
+            <a:schemeClr val="accent1"/>
+          </a:fillRef>
+          <a:effectRef idx="0">
+            <a:schemeClr val="accent1"/>
+          </a:effectRef>
+          <a:fontRef idx="minor">
+            <a:schemeClr val="lt1"/>
+          </a:fontRef>
+        </p:style>
+        <p:txBody>
+          <a:bodyPr rtlCol="0" anchor="ctr"/>
+          <a:lstStyle/>
+          <a:p>
+            <a:pPr algn="ctr"/>
+            <a:endParaRPr lang="zh-CN" altLang="en-US"/>
+          </a:p>
+        </p:txBody>
+      </p:sp>
+      <p:sp>
+        <p:nvSpPr>
+          <p:cNvPr id="9" name="椭圆 8">
+            <a:extLst>
+              <a:ext uri="{FF2B5EF4-FFF2-40B4-BE49-F238E27FC236}">
+                <a16:creationId xmlns:a16="http://schemas.microsoft.com/office/drawing/2014/main" id="{57121792-574D-2A04-81EF-C85376FCDCFA}"/>
+              </a:ext>
+            </a:extLst>
+          </p:cNvPr>
+          <p:cNvSpPr/>
+          <p:nvPr/>
+        </p:nvSpPr>
+        <p:spPr>
+          <a:xfrm rot="454251">
+            <a:off x="8135470" y="2595282"/>
+            <a:ext cx="735106" cy="833718"/>
+          </a:xfrm>
+          <a:prstGeom prst="ellipse">
+            <a:avLst/>
+          </a:prstGeom>
+          <a:solidFill>
+            <a:schemeClr val="bg1"/>
+          </a:solidFill>
+          <a:ln>
+            <a:noFill/>
+          </a:ln>
+        </p:spPr>
+        <p:style>
+          <a:lnRef idx="2">
+            <a:schemeClr val="accent1">
+              <a:shade val="15000"/>
+            </a:schemeClr>
+          </a:lnRef>
+          <a:fillRef idx="1">
+            <a:schemeClr val="accent1"/>
+          </a:fillRef>
+          <a:effectRef idx="0">
+            <a:schemeClr val="accent1"/>
+          </a:effectRef>
+          <a:fontRef idx="minor">
+            <a:schemeClr val="lt1"/>
+          </a:fontRef>
+        </p:style>
+        <p:txBody>
+          <a:bodyPr rtlCol="0" anchor="ctr"/>
+          <a:lstStyle/>
+          <a:p>
+            <a:pPr algn="ctr"/>
+            <a:endParaRPr lang="zh-CN" altLang="en-US"/>
+          </a:p>
+        </p:txBody>
+      </p:sp>
+      <p:sp>
+        <p:nvSpPr>
+          <p:cNvPr id="10" name="椭圆 9">
+            <a:extLst>
+              <a:ext uri="{FF2B5EF4-FFF2-40B4-BE49-F238E27FC236}">
+                <a16:creationId xmlns:a16="http://schemas.microsoft.com/office/drawing/2014/main" id="{879973E7-51F7-4E23-C60D-3F1B1EA55AA9}"/>
+              </a:ext>
+            </a:extLst>
+          </p:cNvPr>
+          <p:cNvSpPr/>
+          <p:nvPr/>
+        </p:nvSpPr>
+        <p:spPr>
+          <a:xfrm rot="355369">
+            <a:off x="8283387" y="2836254"/>
+            <a:ext cx="439271" cy="497539"/>
+          </a:xfrm>
+          <a:prstGeom prst="ellipse">
+            <a:avLst/>
+          </a:prstGeom>
+          <a:solidFill>
+            <a:srgbClr val="3AFE21"/>
+          </a:solidFill>
+          <a:ln>
+            <a:noFill/>
+          </a:ln>
+        </p:spPr>
+        <p:style>
+          <a:lnRef idx="2">
+            <a:schemeClr val="accent1">
+              <a:shade val="15000"/>
+            </a:schemeClr>
+          </a:lnRef>
+          <a:fillRef idx="1">
+            <a:schemeClr val="accent1"/>
+          </a:fillRef>
+          <a:effectRef idx="0">
+            <a:schemeClr val="accent1"/>
+          </a:effectRef>
+          <a:fontRef idx="minor">
+            <a:schemeClr val="lt1"/>
+          </a:fontRef>
+        </p:style>
+        <p:txBody>
+          <a:bodyPr rtlCol="0" anchor="ctr"/>
+          <a:lstStyle/>
+          <a:p>
+            <a:pPr algn="ctr"/>
+            <a:endParaRPr lang="zh-CN" altLang="en-US"/>
+          </a:p>
+        </p:txBody>
+      </p:sp>
     </p:spTree>
     <p:extLst>
       <p:ext uri="{BB962C8B-B14F-4D97-AF65-F5344CB8AC3E}">
